--- a/Document/presentation/search_bus.pptx
+++ b/Document/presentation/search_bus.pptx
@@ -119,7 +119,18 @@
   </p:defaultTextStyle>
   <p:extLst>
     <p:ext uri="{EFAFB233-063F-42B5-8137-9DF3F51BA10A}">
-      <p15:sldGuideLst xmlns:p15="http://schemas.microsoft.com/office/powerpoint/2012/main" xmlns=""/>
+      <p15:sldGuideLst xmlns:p15="http://schemas.microsoft.com/office/powerpoint/2012/main">
+        <p15:guide id="1" orient="horz" pos="2160">
+          <p15:clr>
+            <a:srgbClr val="A4A3A4"/>
+          </p15:clr>
+        </p15:guide>
+        <p15:guide id="2" pos="2880">
+          <p15:clr>
+            <a:srgbClr val="A4A3A4"/>
+          </p15:clr>
+        </p15:guide>
+      </p15:sldGuideLst>
     </p:ext>
   </p:extLst>
 </p:presentation>
@@ -207,7 +218,7 @@
           <a:p>
             <a:fld id="{DB638E9B-52C4-DC4B-9E8A-4837C38FE505}" type="datetimeFigureOut">
               <a:rPr lang="en-US" smtClean="0"/>
-              <a:t>12/11/2015</a:t>
+              <a:t>12/11/15</a:t>
             </a:fld>
             <a:endParaRPr lang="en-US"/>
           </a:p>
@@ -789,15 +800,11 @@
             </a:r>
             <a:r>
               <a:rPr lang="en-US" baseline="0" dirty="0" err="1" smtClean="0"/>
-              <a:t>máy</a:t>
-            </a:r>
-            <a:r>
-              <a:rPr lang="en-US" baseline="0" dirty="0" smtClean="0"/>
-              <a:t> </a:t>
-            </a:r>
-            <a:r>
-              <a:rPr lang="en-US" baseline="0" dirty="0" err="1" smtClean="0"/>
-              <a:t>tối</a:t>
+              <a:t>buyt</a:t>
+            </a:r>
+            <a:r>
+              <a:rPr lang="en-US" baseline="0" smtClean="0"/>
+              <a:t> tối</a:t>
             </a:r>
             <a:r>
               <a:rPr lang="en-US" baseline="0" dirty="0" smtClean="0"/>
@@ -3093,230 +3100,6 @@
           <a:bodyPr/>
           <a:lstStyle/>
           <a:p>
-            <a:r>
-              <a:rPr lang="en-US" dirty="0" err="1" smtClean="0"/>
-              <a:t>Để</a:t>
-            </a:r>
-            <a:r>
-              <a:rPr lang="en-US" baseline="0" dirty="0" smtClean="0"/>
-              <a:t> </a:t>
-            </a:r>
-            <a:r>
-              <a:rPr lang="en-US" baseline="0" dirty="0" err="1" smtClean="0"/>
-              <a:t>hiển</a:t>
-            </a:r>
-            <a:r>
-              <a:rPr lang="en-US" baseline="0" dirty="0" smtClean="0"/>
-              <a:t> </a:t>
-            </a:r>
-            <a:r>
-              <a:rPr lang="en-US" baseline="0" dirty="0" err="1" smtClean="0"/>
-              <a:t>thị</a:t>
-            </a:r>
-            <a:r>
-              <a:rPr lang="en-US" baseline="0" dirty="0" smtClean="0"/>
-              <a:t> </a:t>
-            </a:r>
-            <a:r>
-              <a:rPr lang="en-US" baseline="0" dirty="0" err="1" smtClean="0"/>
-              <a:t>đường</a:t>
-            </a:r>
-            <a:r>
-              <a:rPr lang="en-US" baseline="0" dirty="0" smtClean="0"/>
-              <a:t> </a:t>
-            </a:r>
-            <a:r>
-              <a:rPr lang="en-US" baseline="0" dirty="0" err="1" smtClean="0"/>
-              <a:t>đi</a:t>
-            </a:r>
-            <a:r>
-              <a:rPr lang="en-US" baseline="0" dirty="0" smtClean="0"/>
-              <a:t> </a:t>
-            </a:r>
-            <a:r>
-              <a:rPr lang="en-US" baseline="0" dirty="0" err="1" smtClean="0"/>
-              <a:t>tốt</a:t>
-            </a:r>
-            <a:r>
-              <a:rPr lang="en-US" baseline="0" dirty="0" smtClean="0"/>
-              <a:t> </a:t>
-            </a:r>
-            <a:r>
-              <a:rPr lang="en-US" baseline="0" dirty="0" err="1" smtClean="0"/>
-              <a:t>nhất</a:t>
-            </a:r>
-            <a:r>
-              <a:rPr lang="en-US" baseline="0" dirty="0" smtClean="0"/>
-              <a:t> </a:t>
-            </a:r>
-            <a:r>
-              <a:rPr lang="en-US" baseline="0" dirty="0" err="1" smtClean="0"/>
-              <a:t>này</a:t>
-            </a:r>
-            <a:r>
-              <a:rPr lang="en-US" baseline="0" dirty="0" smtClean="0"/>
-              <a:t>..</a:t>
-            </a:r>
-            <a:r>
-              <a:rPr lang="en-US" baseline="0" dirty="0" err="1" smtClean="0"/>
-              <a:t>chúng</a:t>
-            </a:r>
-            <a:r>
-              <a:rPr lang="en-US" baseline="0" dirty="0" smtClean="0"/>
-              <a:t> </a:t>
-            </a:r>
-            <a:r>
-              <a:rPr lang="en-US" baseline="0" dirty="0" err="1" smtClean="0"/>
-              <a:t>tôi</a:t>
-            </a:r>
-            <a:r>
-              <a:rPr lang="en-US" baseline="0" dirty="0" smtClean="0"/>
-              <a:t> </a:t>
-            </a:r>
-            <a:r>
-              <a:rPr lang="en-US" baseline="0" dirty="0" err="1" smtClean="0"/>
-              <a:t>tạo</a:t>
-            </a:r>
-            <a:r>
-              <a:rPr lang="en-US" baseline="0" dirty="0" smtClean="0"/>
-              <a:t> </a:t>
-            </a:r>
-            <a:r>
-              <a:rPr lang="en-US" baseline="0" dirty="0" err="1" smtClean="0"/>
-              <a:t>ra</a:t>
-            </a:r>
-            <a:r>
-              <a:rPr lang="en-US" baseline="0" dirty="0" smtClean="0"/>
-              <a:t> </a:t>
-            </a:r>
-            <a:r>
-              <a:rPr lang="en-US" baseline="0" dirty="0" err="1" smtClean="0"/>
-              <a:t>một</a:t>
-            </a:r>
-            <a:r>
-              <a:rPr lang="en-US" baseline="0" dirty="0" smtClean="0"/>
-              <a:t> class step </a:t>
-            </a:r>
-            <a:r>
-              <a:rPr lang="en-US" baseline="0" dirty="0" err="1" smtClean="0"/>
-              <a:t>để</a:t>
-            </a:r>
-            <a:r>
-              <a:rPr lang="en-US" baseline="0" dirty="0" smtClean="0"/>
-              <a:t> </a:t>
-            </a:r>
-            <a:r>
-              <a:rPr lang="en-US" baseline="0" dirty="0" err="1" smtClean="0"/>
-              <a:t>chứa</a:t>
-            </a:r>
-            <a:r>
-              <a:rPr lang="en-US" baseline="0" dirty="0" smtClean="0"/>
-              <a:t> </a:t>
-            </a:r>
-            <a:r>
-              <a:rPr lang="en-US" baseline="0" dirty="0" err="1" smtClean="0"/>
-              <a:t>các</a:t>
-            </a:r>
-            <a:r>
-              <a:rPr lang="en-US" baseline="0" dirty="0" smtClean="0"/>
-              <a:t> </a:t>
-            </a:r>
-            <a:r>
-              <a:rPr lang="en-US" baseline="0" dirty="0" err="1" smtClean="0"/>
-              <a:t>hướng</a:t>
-            </a:r>
-            <a:r>
-              <a:rPr lang="en-US" baseline="0" dirty="0" smtClean="0"/>
-              <a:t> </a:t>
-            </a:r>
-            <a:r>
-              <a:rPr lang="en-US" baseline="0" dirty="0" err="1" smtClean="0"/>
-              <a:t>dẫn</a:t>
-            </a:r>
-            <a:r>
-              <a:rPr lang="en-US" baseline="0" dirty="0" smtClean="0"/>
-              <a:t>.. </a:t>
-            </a:r>
-            <a:r>
-              <a:rPr lang="en-US" baseline="0" dirty="0" err="1" smtClean="0"/>
-              <a:t>Và</a:t>
-            </a:r>
-            <a:r>
-              <a:rPr lang="en-US" baseline="0" dirty="0" smtClean="0"/>
-              <a:t> </a:t>
-            </a:r>
-            <a:r>
-              <a:rPr lang="en-US" baseline="0" dirty="0" err="1" smtClean="0"/>
-              <a:t>một</a:t>
-            </a:r>
-            <a:r>
-              <a:rPr lang="en-US" baseline="0" dirty="0" smtClean="0"/>
-              <a:t> leg. </a:t>
-            </a:r>
-            <a:r>
-              <a:rPr lang="en-US" baseline="0" dirty="0" err="1" smtClean="0"/>
-              <a:t>Để</a:t>
-            </a:r>
-            <a:r>
-              <a:rPr lang="en-US" baseline="0" dirty="0" smtClean="0"/>
-              <a:t> </a:t>
-            </a:r>
-            <a:r>
-              <a:rPr lang="en-US" baseline="0" dirty="0" err="1" smtClean="0"/>
-              <a:t>chứa</a:t>
-            </a:r>
-            <a:r>
-              <a:rPr lang="en-US" baseline="0" dirty="0" smtClean="0"/>
-              <a:t> </a:t>
-            </a:r>
-            <a:r>
-              <a:rPr lang="en-US" baseline="0" dirty="0" err="1" smtClean="0"/>
-              <a:t>kết</a:t>
-            </a:r>
-            <a:r>
-              <a:rPr lang="en-US" baseline="0" dirty="0" smtClean="0"/>
-              <a:t> </a:t>
-            </a:r>
-            <a:r>
-              <a:rPr lang="en-US" baseline="0" dirty="0" err="1" smtClean="0"/>
-              <a:t>quả</a:t>
-            </a:r>
-            <a:r>
-              <a:rPr lang="en-US" baseline="0" dirty="0" smtClean="0"/>
-              <a:t> </a:t>
-            </a:r>
-            <a:r>
-              <a:rPr lang="en-US" baseline="0" dirty="0" err="1" smtClean="0"/>
-              <a:t>đường</a:t>
-            </a:r>
-            <a:r>
-              <a:rPr lang="en-US" baseline="0" dirty="0" smtClean="0"/>
-              <a:t> </a:t>
-            </a:r>
-            <a:r>
-              <a:rPr lang="en-US" baseline="0" dirty="0" err="1" smtClean="0"/>
-              <a:t>đi</a:t>
-            </a:r>
-            <a:r>
-              <a:rPr lang="en-US" baseline="0" dirty="0" smtClean="0"/>
-              <a:t> </a:t>
-            </a:r>
-            <a:r>
-              <a:rPr lang="en-US" baseline="0" dirty="0" err="1" smtClean="0"/>
-              <a:t>của</a:t>
-            </a:r>
-            <a:r>
-              <a:rPr lang="en-US" baseline="0" dirty="0" smtClean="0"/>
-              <a:t> 2 </a:t>
-            </a:r>
-            <a:r>
-              <a:rPr lang="en-US" baseline="0" dirty="0" err="1" smtClean="0"/>
-              <a:t>điểm</a:t>
-            </a:r>
-            <a:r>
-              <a:rPr lang="en-US" baseline="0" dirty="0" smtClean="0"/>
-              <a:t>.</a:t>
-            </a:r>
             <a:endParaRPr lang="en-US" dirty="0"/>
           </a:p>
         </p:txBody>
@@ -5597,7 +5380,19 @@
               <a:rPr lang="en-US" dirty="0" smtClean="0">
                 <a:latin typeface="Cambria" pitchFamily="18" charset="0"/>
               </a:rPr>
-              <a:t>Demo four points optimize</a:t>
+              <a:t>Demo </a:t>
+            </a:r>
+            <a:r>
+              <a:rPr lang="en-US" dirty="0" smtClean="0">
+                <a:latin typeface="Cambria" pitchFamily="18" charset="0"/>
+              </a:rPr>
+              <a:t>bus four </a:t>
+            </a:r>
+            <a:r>
+              <a:rPr lang="en-US" dirty="0" smtClean="0">
+                <a:latin typeface="Cambria" pitchFamily="18" charset="0"/>
+              </a:rPr>
+              <a:t>points optimize</a:t>
             </a:r>
             <a:endParaRPr lang="en-US" dirty="0">
               <a:latin typeface="Cambria" pitchFamily="18" charset="0"/>
@@ -5638,7 +5433,7 @@
         <p:spPr>
           <a:xfrm>
             <a:off x="457200" y="2527462"/>
-            <a:ext cx="7083188" cy="1538883"/>
+            <a:ext cx="8503920" cy="1969770"/>
           </a:xfrm>
           <a:prstGeom prst="rect">
             <a:avLst/>
@@ -5665,11 +5460,11 @@
               </a:defRPr>
             </a:pPr>
             <a:r>
-              <a:rPr lang="en-US" sz="2100" dirty="0"/>
+              <a:rPr lang="en-US" sz="2800" dirty="0"/>
               <a:t>Start location:</a:t>
             </a:r>
             <a:r>
-              <a:rPr lang="en-US" sz="2100" dirty="0">
+              <a:rPr lang="en-US" sz="2800" dirty="0">
                 <a:solidFill>
                   <a:srgbClr val="000000"/>
                 </a:solidFill>
@@ -5677,7 +5472,7 @@
               <a:t>  </a:t>
             </a:r>
             <a:r>
-              <a:rPr lang="en-US" sz="2100" dirty="0" err="1">
+              <a:rPr lang="en-US" sz="2800" dirty="0" err="1">
                 <a:solidFill>
                   <a:srgbClr val="000000"/>
                 </a:solidFill>
@@ -5685,7 +5480,7 @@
               <a:t>Bến</a:t>
             </a:r>
             <a:r>
-              <a:rPr lang="en-US" sz="2100" dirty="0">
+              <a:rPr lang="en-US" sz="2800" dirty="0">
                 <a:solidFill>
                   <a:srgbClr val="000000"/>
                 </a:solidFill>
@@ -5693,7 +5488,7 @@
               <a:t> </a:t>
             </a:r>
             <a:r>
-              <a:rPr lang="en-US" sz="2100" dirty="0" err="1">
+              <a:rPr lang="en-US" sz="2800" dirty="0" err="1">
                 <a:solidFill>
                   <a:srgbClr val="000000"/>
                 </a:solidFill>
@@ -5701,7 +5496,7 @@
               <a:t>xe</a:t>
             </a:r>
             <a:r>
-              <a:rPr lang="en-US" sz="2100" dirty="0">
+              <a:rPr lang="en-US" sz="2800" dirty="0">
                 <a:solidFill>
                   <a:srgbClr val="000000"/>
                 </a:solidFill>
@@ -5709,7 +5504,7 @@
               <a:t> </a:t>
             </a:r>
             <a:r>
-              <a:rPr lang="en-US" sz="2100" dirty="0" err="1">
+              <a:rPr lang="en-US" sz="2800" dirty="0" err="1">
                 <a:solidFill>
                   <a:srgbClr val="000000"/>
                 </a:solidFill>
@@ -5717,14 +5512,14 @@
               <a:t>quận</a:t>
             </a:r>
             <a:r>
-              <a:rPr lang="en-US" sz="2100" dirty="0">
+              <a:rPr lang="en-US" sz="2800" dirty="0">
                 <a:solidFill>
                   <a:srgbClr val="000000"/>
                 </a:solidFill>
               </a:rPr>
               <a:t> 8</a:t>
             </a:r>
-            <a:endParaRPr lang="en-US" sz="2100" dirty="0"/>
+            <a:endParaRPr lang="en-US" sz="2800" dirty="0"/>
           </a:p>
           <a:p>
             <a:pPr marL="514350" lvl="1" indent="-171450">
@@ -5742,11 +5537,11 @@
               </a:defRPr>
             </a:pPr>
             <a:r>
-              <a:rPr lang="en-US" sz="2100" dirty="0"/>
+              <a:rPr lang="en-US" sz="2800" dirty="0"/>
               <a:t>First middle location: </a:t>
             </a:r>
             <a:r>
-              <a:rPr lang="en-US" sz="2100" dirty="0">
+              <a:rPr lang="en-US" sz="2800" dirty="0">
                 <a:solidFill>
                   <a:srgbClr val="000000"/>
                 </a:solidFill>
@@ -5754,7 +5549,7 @@
               <a:t>280 </a:t>
             </a:r>
             <a:r>
-              <a:rPr lang="en-US" sz="2100" dirty="0" err="1">
+              <a:rPr lang="en-US" sz="2800" dirty="0" err="1">
                 <a:solidFill>
                   <a:srgbClr val="000000"/>
                 </a:solidFill>
@@ -5762,7 +5557,7 @@
               <a:t>Nguyễn</a:t>
             </a:r>
             <a:r>
-              <a:rPr lang="en-US" sz="2100" dirty="0">
+              <a:rPr lang="en-US" sz="2800" dirty="0">
                 <a:solidFill>
                   <a:srgbClr val="000000"/>
                 </a:solidFill>
@@ -5770,7 +5565,7 @@
               <a:t> </a:t>
             </a:r>
             <a:r>
-              <a:rPr lang="en-US" sz="2100" dirty="0" err="1">
+              <a:rPr lang="en-US" sz="2800" dirty="0" err="1">
                 <a:solidFill>
                   <a:srgbClr val="000000"/>
                 </a:solidFill>
@@ -5778,7 +5573,7 @@
               <a:t>Đình</a:t>
             </a:r>
             <a:r>
-              <a:rPr lang="en-US" sz="2100" dirty="0">
+              <a:rPr lang="en-US" sz="2800" dirty="0">
                 <a:solidFill>
                   <a:srgbClr val="000000"/>
                 </a:solidFill>
@@ -5786,14 +5581,14 @@
               <a:t> </a:t>
             </a:r>
             <a:r>
-              <a:rPr lang="en-US" sz="2100" dirty="0" err="1">
+              <a:rPr lang="en-US" sz="2800" dirty="0" err="1">
                 <a:solidFill>
                   <a:srgbClr val="000000"/>
                 </a:solidFill>
               </a:rPr>
               <a:t>Chiểu</a:t>
             </a:r>
-            <a:endParaRPr lang="en-US" sz="2100" dirty="0">
+            <a:endParaRPr lang="en-US" sz="2800" dirty="0">
               <a:solidFill>
                 <a:srgbClr val="000000"/>
               </a:solidFill>
@@ -5815,11 +5610,11 @@
               </a:defRPr>
             </a:pPr>
             <a:r>
-              <a:rPr lang="en-US" sz="2100" dirty="0"/>
+              <a:rPr lang="en-US" sz="2800" dirty="0"/>
               <a:t>Second middle location: </a:t>
             </a:r>
             <a:r>
-              <a:rPr lang="en-US" sz="2100" dirty="0" err="1">
+              <a:rPr lang="en-US" sz="2800" dirty="0" err="1">
                 <a:solidFill>
                   <a:srgbClr val="000000"/>
                 </a:solidFill>
@@ -5827,7 +5622,7 @@
               <a:t>VinCom</a:t>
             </a:r>
             <a:r>
-              <a:rPr lang="en-US" sz="2100" dirty="0">
+              <a:rPr lang="en-US" sz="2800" dirty="0">
                 <a:solidFill>
                   <a:srgbClr val="000000"/>
                 </a:solidFill>
@@ -5835,7 +5630,7 @@
               <a:t> </a:t>
             </a:r>
             <a:r>
-              <a:rPr lang="en-US" sz="2100" dirty="0" err="1">
+              <a:rPr lang="en-US" sz="2800" dirty="0" err="1">
                 <a:solidFill>
                   <a:srgbClr val="000000"/>
                 </a:solidFill>
@@ -5843,7 +5638,7 @@
               <a:t>Lê</a:t>
             </a:r>
             <a:r>
-              <a:rPr lang="en-US" sz="2100" dirty="0">
+              <a:rPr lang="en-US" sz="2800" dirty="0">
                 <a:solidFill>
                   <a:srgbClr val="000000"/>
                 </a:solidFill>
@@ -5851,7 +5646,7 @@
               <a:t> </a:t>
             </a:r>
             <a:r>
-              <a:rPr lang="en-US" sz="2100" dirty="0" err="1">
+              <a:rPr lang="en-US" sz="2800" dirty="0" err="1">
                 <a:solidFill>
                   <a:srgbClr val="000000"/>
                 </a:solidFill>
@@ -5859,7 +5654,7 @@
               <a:t>Thánh</a:t>
             </a:r>
             <a:r>
-              <a:rPr lang="en-US" sz="2100" dirty="0">
+              <a:rPr lang="en-US" sz="2800" dirty="0">
                 <a:solidFill>
                   <a:srgbClr val="000000"/>
                 </a:solidFill>
@@ -5867,7 +5662,7 @@
               <a:t> </a:t>
             </a:r>
             <a:r>
-              <a:rPr lang="en-US" sz="2100" dirty="0" err="1">
+              <a:rPr lang="en-US" sz="2800" dirty="0" err="1">
                 <a:solidFill>
                   <a:srgbClr val="000000"/>
                 </a:solidFill>
@@ -5875,7 +5670,7 @@
               <a:t>Tôn</a:t>
             </a:r>
             <a:r>
-              <a:rPr lang="en-US" sz="2100" dirty="0"/>
+              <a:rPr lang="en-US" sz="2800" dirty="0"/>
               <a:t> </a:t>
             </a:r>
           </a:p>
@@ -5895,11 +5690,11 @@
               </a:defRPr>
             </a:pPr>
             <a:r>
-              <a:rPr lang="en-US" sz="2100" dirty="0"/>
+              <a:rPr lang="en-US" sz="2800" dirty="0"/>
               <a:t>End location: </a:t>
             </a:r>
             <a:r>
-              <a:rPr lang="en-US" sz="2100" dirty="0" err="1">
+              <a:rPr lang="en-US" sz="2800" dirty="0" err="1">
                 <a:solidFill>
                   <a:srgbClr val="000000"/>
                 </a:solidFill>
@@ -5907,7 +5702,7 @@
               <a:t>Công</a:t>
             </a:r>
             <a:r>
-              <a:rPr lang="en-US" sz="2100" dirty="0">
+              <a:rPr lang="en-US" sz="2800" dirty="0">
                 <a:solidFill>
                   <a:srgbClr val="000000"/>
                 </a:solidFill>
@@ -5915,7 +5710,7 @@
               <a:t> </a:t>
             </a:r>
             <a:r>
-              <a:rPr lang="en-US" sz="2100" dirty="0" err="1">
+              <a:rPr lang="en-US" sz="2800" dirty="0" err="1">
                 <a:solidFill>
                   <a:srgbClr val="000000"/>
                 </a:solidFill>
@@ -5923,7 +5718,7 @@
               <a:t>Viên</a:t>
             </a:r>
             <a:r>
-              <a:rPr lang="en-US" sz="2100" dirty="0">
+              <a:rPr lang="en-US" sz="2800" dirty="0">
                 <a:solidFill>
                   <a:srgbClr val="000000"/>
                 </a:solidFill>
@@ -5931,7 +5726,7 @@
               <a:t> Tao </a:t>
             </a:r>
             <a:r>
-              <a:rPr lang="en-US" sz="2100" dirty="0" err="1">
+              <a:rPr lang="en-US" sz="2800" dirty="0" err="1">
                 <a:solidFill>
                   <a:srgbClr val="000000"/>
                 </a:solidFill>
@@ -5939,14 +5734,14 @@
               <a:t>Đàn</a:t>
             </a:r>
             <a:r>
-              <a:rPr lang="en-US" sz="2100" dirty="0">
+              <a:rPr lang="en-US" sz="2800" dirty="0">
                 <a:solidFill>
                   <a:srgbClr val="000000"/>
                 </a:solidFill>
               </a:rPr>
               <a:t> </a:t>
             </a:r>
-            <a:endParaRPr lang="en-US" dirty="0"/>
+            <a:endParaRPr lang="en-US" sz="2800" dirty="0"/>
           </a:p>
         </p:txBody>
       </p:sp>
@@ -10393,7 +10188,7 @@
   <a:extraClrSchemeLst/>
   <a:extLst>
     <a:ext uri="{05A4C25C-085E-4340-85A3-A5531E510DB2}">
-      <thm15:themeFamily xmlns:thm15="http://schemas.microsoft.com/office/thememl/2012/main" xmlns="" name="Office Theme" id="{62F939B6-93AF-4DB8-9C6B-D6C7DFDC589F}" vid="{4A3C46E8-61CC-4603-A589-7422A47A8E4A}"/>
+      <thm15:themeFamily xmlns:thm15="http://schemas.microsoft.com/office/thememl/2012/main" name="Office Theme" id="{62F939B6-93AF-4DB8-9C6B-D6C7DFDC589F}" vid="{4A3C46E8-61CC-4603-A589-7422A47A8E4A}"/>
     </a:ext>
   </a:extLst>
 </a:theme>

--- a/Document/presentation/search_bus.pptx
+++ b/Document/presentation/search_bus.pptx
@@ -17,7 +17,7 @@
     <p:sldId id="349" r:id="rId8"/>
     <p:sldId id="350" r:id="rId9"/>
     <p:sldId id="351" r:id="rId10"/>
-    <p:sldId id="352" r:id="rId11"/>
+    <p:sldId id="355" r:id="rId11"/>
     <p:sldId id="353" r:id="rId12"/>
   </p:sldIdLst>
   <p:sldSz cx="9144000" cy="6858000" type="screen4x3"/>
@@ -119,7 +119,7 @@
   </p:defaultTextStyle>
   <p:extLst>
     <p:ext uri="{EFAFB233-063F-42B5-8137-9DF3F51BA10A}">
-      <p15:sldGuideLst xmlns:p15="http://schemas.microsoft.com/office/powerpoint/2012/main">
+      <p15:sldGuideLst xmlns="" xmlns:p15="http://schemas.microsoft.com/office/powerpoint/2012/main">
         <p15:guide id="1" orient="horz" pos="2160">
           <p15:clr>
             <a:srgbClr val="A4A3A4"/>
@@ -218,7 +218,7 @@
           <a:p>
             <a:fld id="{DB638E9B-52C4-DC4B-9E8A-4837C38FE505}" type="datetimeFigureOut">
               <a:rPr lang="en-US" smtClean="0"/>
-              <a:t>12/11/15</a:t>
+              <a:t>12/11/2015</a:t>
             </a:fld>
             <a:endParaRPr lang="en-US"/>
           </a:p>
@@ -3100,6 +3100,230 @@
           <a:bodyPr/>
           <a:lstStyle/>
           <a:p>
+            <a:r>
+              <a:rPr lang="en-US" dirty="0" err="1" smtClean="0"/>
+              <a:t>Để</a:t>
+            </a:r>
+            <a:r>
+              <a:rPr lang="en-US" baseline="0" dirty="0" smtClean="0"/>
+              <a:t> </a:t>
+            </a:r>
+            <a:r>
+              <a:rPr lang="en-US" baseline="0" dirty="0" err="1" smtClean="0"/>
+              <a:t>hiển</a:t>
+            </a:r>
+            <a:r>
+              <a:rPr lang="en-US" baseline="0" dirty="0" smtClean="0"/>
+              <a:t> </a:t>
+            </a:r>
+            <a:r>
+              <a:rPr lang="en-US" baseline="0" dirty="0" err="1" smtClean="0"/>
+              <a:t>thị</a:t>
+            </a:r>
+            <a:r>
+              <a:rPr lang="en-US" baseline="0" dirty="0" smtClean="0"/>
+              <a:t> </a:t>
+            </a:r>
+            <a:r>
+              <a:rPr lang="en-US" baseline="0" dirty="0" err="1" smtClean="0"/>
+              <a:t>đường</a:t>
+            </a:r>
+            <a:r>
+              <a:rPr lang="en-US" baseline="0" dirty="0" smtClean="0"/>
+              <a:t> </a:t>
+            </a:r>
+            <a:r>
+              <a:rPr lang="en-US" baseline="0" dirty="0" err="1" smtClean="0"/>
+              <a:t>đi</a:t>
+            </a:r>
+            <a:r>
+              <a:rPr lang="en-US" baseline="0" dirty="0" smtClean="0"/>
+              <a:t> </a:t>
+            </a:r>
+            <a:r>
+              <a:rPr lang="en-US" baseline="0" dirty="0" err="1" smtClean="0"/>
+              <a:t>tốt</a:t>
+            </a:r>
+            <a:r>
+              <a:rPr lang="en-US" baseline="0" dirty="0" smtClean="0"/>
+              <a:t> </a:t>
+            </a:r>
+            <a:r>
+              <a:rPr lang="en-US" baseline="0" dirty="0" err="1" smtClean="0"/>
+              <a:t>nhất</a:t>
+            </a:r>
+            <a:r>
+              <a:rPr lang="en-US" baseline="0" dirty="0" smtClean="0"/>
+              <a:t> </a:t>
+            </a:r>
+            <a:r>
+              <a:rPr lang="en-US" baseline="0" dirty="0" err="1" smtClean="0"/>
+              <a:t>này</a:t>
+            </a:r>
+            <a:r>
+              <a:rPr lang="en-US" baseline="0" dirty="0" smtClean="0"/>
+              <a:t>..</a:t>
+            </a:r>
+            <a:r>
+              <a:rPr lang="en-US" baseline="0" dirty="0" err="1" smtClean="0"/>
+              <a:t>chúng</a:t>
+            </a:r>
+            <a:r>
+              <a:rPr lang="en-US" baseline="0" dirty="0" smtClean="0"/>
+              <a:t> </a:t>
+            </a:r>
+            <a:r>
+              <a:rPr lang="en-US" baseline="0" dirty="0" err="1" smtClean="0"/>
+              <a:t>tôi</a:t>
+            </a:r>
+            <a:r>
+              <a:rPr lang="en-US" baseline="0" dirty="0" smtClean="0"/>
+              <a:t> </a:t>
+            </a:r>
+            <a:r>
+              <a:rPr lang="en-US" baseline="0" dirty="0" err="1" smtClean="0"/>
+              <a:t>tạo</a:t>
+            </a:r>
+            <a:r>
+              <a:rPr lang="en-US" baseline="0" dirty="0" smtClean="0"/>
+              <a:t> </a:t>
+            </a:r>
+            <a:r>
+              <a:rPr lang="en-US" baseline="0" dirty="0" err="1" smtClean="0"/>
+              <a:t>ra</a:t>
+            </a:r>
+            <a:r>
+              <a:rPr lang="en-US" baseline="0" dirty="0" smtClean="0"/>
+              <a:t> </a:t>
+            </a:r>
+            <a:r>
+              <a:rPr lang="en-US" baseline="0" dirty="0" err="1" smtClean="0"/>
+              <a:t>một</a:t>
+            </a:r>
+            <a:r>
+              <a:rPr lang="en-US" baseline="0" dirty="0" smtClean="0"/>
+              <a:t> class step </a:t>
+            </a:r>
+            <a:r>
+              <a:rPr lang="en-US" baseline="0" dirty="0" err="1" smtClean="0"/>
+              <a:t>để</a:t>
+            </a:r>
+            <a:r>
+              <a:rPr lang="en-US" baseline="0" dirty="0" smtClean="0"/>
+              <a:t> </a:t>
+            </a:r>
+            <a:r>
+              <a:rPr lang="en-US" baseline="0" dirty="0" err="1" smtClean="0"/>
+              <a:t>chứa</a:t>
+            </a:r>
+            <a:r>
+              <a:rPr lang="en-US" baseline="0" dirty="0" smtClean="0"/>
+              <a:t> </a:t>
+            </a:r>
+            <a:r>
+              <a:rPr lang="en-US" baseline="0" dirty="0" err="1" smtClean="0"/>
+              <a:t>các</a:t>
+            </a:r>
+            <a:r>
+              <a:rPr lang="en-US" baseline="0" dirty="0" smtClean="0"/>
+              <a:t> </a:t>
+            </a:r>
+            <a:r>
+              <a:rPr lang="en-US" baseline="0" dirty="0" err="1" smtClean="0"/>
+              <a:t>hướng</a:t>
+            </a:r>
+            <a:r>
+              <a:rPr lang="en-US" baseline="0" dirty="0" smtClean="0"/>
+              <a:t> </a:t>
+            </a:r>
+            <a:r>
+              <a:rPr lang="en-US" baseline="0" dirty="0" err="1" smtClean="0"/>
+              <a:t>dẫn</a:t>
+            </a:r>
+            <a:r>
+              <a:rPr lang="en-US" baseline="0" dirty="0" smtClean="0"/>
+              <a:t>.. </a:t>
+            </a:r>
+            <a:r>
+              <a:rPr lang="en-US" baseline="0" dirty="0" err="1" smtClean="0"/>
+              <a:t>Và</a:t>
+            </a:r>
+            <a:r>
+              <a:rPr lang="en-US" baseline="0" dirty="0" smtClean="0"/>
+              <a:t> </a:t>
+            </a:r>
+            <a:r>
+              <a:rPr lang="en-US" baseline="0" dirty="0" err="1" smtClean="0"/>
+              <a:t>một</a:t>
+            </a:r>
+            <a:r>
+              <a:rPr lang="en-US" baseline="0" dirty="0" smtClean="0"/>
+              <a:t> leg. </a:t>
+            </a:r>
+            <a:r>
+              <a:rPr lang="en-US" baseline="0" dirty="0" err="1" smtClean="0"/>
+              <a:t>Để</a:t>
+            </a:r>
+            <a:r>
+              <a:rPr lang="en-US" baseline="0" dirty="0" smtClean="0"/>
+              <a:t> </a:t>
+            </a:r>
+            <a:r>
+              <a:rPr lang="en-US" baseline="0" dirty="0" err="1" smtClean="0"/>
+              <a:t>chứa</a:t>
+            </a:r>
+            <a:r>
+              <a:rPr lang="en-US" baseline="0" dirty="0" smtClean="0"/>
+              <a:t> </a:t>
+            </a:r>
+            <a:r>
+              <a:rPr lang="en-US" baseline="0" dirty="0" err="1" smtClean="0"/>
+              <a:t>kết</a:t>
+            </a:r>
+            <a:r>
+              <a:rPr lang="en-US" baseline="0" dirty="0" smtClean="0"/>
+              <a:t> </a:t>
+            </a:r>
+            <a:r>
+              <a:rPr lang="en-US" baseline="0" dirty="0" err="1" smtClean="0"/>
+              <a:t>quả</a:t>
+            </a:r>
+            <a:r>
+              <a:rPr lang="en-US" baseline="0" dirty="0" smtClean="0"/>
+              <a:t> </a:t>
+            </a:r>
+            <a:r>
+              <a:rPr lang="en-US" baseline="0" dirty="0" err="1" smtClean="0"/>
+              <a:t>đường</a:t>
+            </a:r>
+            <a:r>
+              <a:rPr lang="en-US" baseline="0" dirty="0" smtClean="0"/>
+              <a:t> </a:t>
+            </a:r>
+            <a:r>
+              <a:rPr lang="en-US" baseline="0" dirty="0" err="1" smtClean="0"/>
+              <a:t>đi</a:t>
+            </a:r>
+            <a:r>
+              <a:rPr lang="en-US" baseline="0" dirty="0" smtClean="0"/>
+              <a:t> </a:t>
+            </a:r>
+            <a:r>
+              <a:rPr lang="en-US" baseline="0" dirty="0" err="1" smtClean="0"/>
+              <a:t>của</a:t>
+            </a:r>
+            <a:r>
+              <a:rPr lang="en-US" baseline="0" dirty="0" smtClean="0"/>
+              <a:t> 2 </a:t>
+            </a:r>
+            <a:r>
+              <a:rPr lang="en-US" baseline="0" dirty="0" err="1" smtClean="0"/>
+              <a:t>điểm</a:t>
+            </a:r>
+            <a:r>
+              <a:rPr lang="en-US" baseline="0" dirty="0" smtClean="0"/>
+              <a:t>.</a:t>
+            </a:r>
             <a:endParaRPr lang="en-US" dirty="0"/>
           </a:p>
         </p:txBody>
@@ -4439,7 +4663,7 @@
       </p:pic>
       <p:pic>
         <p:nvPicPr>
-          <p:cNvPr id="17" name="Picture 2" descr="C:\Users\ngoan\Desktop\image\quy.png"/>
+          <p:cNvPr id="2053" name="Picture 5" descr="C:\Users\ngoan\Desktop\image\24598-200.png"/>
           <p:cNvPicPr>
             <a:picLocks noChangeAspect="1" noChangeArrowheads="1"/>
           </p:cNvPicPr>
@@ -4460,289 +4684,7 @@
         </p:blipFill>
         <p:spPr bwMode="auto">
           <a:xfrm>
-            <a:off x="2356936" y="1677833"/>
-            <a:ext cx="1069848" cy="1069848"/>
-          </a:xfrm>
-          <a:prstGeom prst="rect">
-            <a:avLst/>
-          </a:prstGeom>
-          <a:noFill/>
-          <a:extLst>
-            <a:ext uri="{909E8E84-426E-40DD-AFC4-6F175D3DCCD1}">
-              <a14:hiddenFill xmlns:a14="http://schemas.microsoft.com/office/drawing/2010/main">
-                <a:solidFill>
-                  <a:srgbClr val="FFFFFF"/>
-                </a:solidFill>
-              </a14:hiddenFill>
-            </a:ext>
-          </a:extLst>
-        </p:spPr>
-      </p:pic>
-      <p:pic>
-        <p:nvPicPr>
-          <p:cNvPr id="18" name="Picture 4" descr="C:\Users\ngoan\Desktop\image\nam.png"/>
-          <p:cNvPicPr>
-            <a:picLocks noChangeAspect="1" noChangeArrowheads="1"/>
-          </p:cNvPicPr>
-          <p:nvPr/>
-        </p:nvPicPr>
-        <p:blipFill>
-          <a:blip r:embed="rId5">
-            <a:extLst>
-              <a:ext uri="{28A0092B-C50C-407E-A947-70E740481C1C}">
-                <a14:useLocalDpi xmlns:a14="http://schemas.microsoft.com/office/drawing/2010/main" val="0"/>
-              </a:ext>
-            </a:extLst>
-          </a:blip>
-          <a:srcRect/>
-          <a:stretch>
-            <a:fillRect/>
-          </a:stretch>
-        </p:blipFill>
-        <p:spPr bwMode="auto">
-          <a:xfrm>
-            <a:off x="3777149" y="1677833"/>
-            <a:ext cx="1069848" cy="1069848"/>
-          </a:xfrm>
-          <a:prstGeom prst="rect">
-            <a:avLst/>
-          </a:prstGeom>
-          <a:noFill/>
-          <a:extLst>
-            <a:ext uri="{909E8E84-426E-40DD-AFC4-6F175D3DCCD1}">
-              <a14:hiddenFill xmlns:a14="http://schemas.microsoft.com/office/drawing/2010/main">
-                <a:solidFill>
-                  <a:srgbClr val="FFFFFF"/>
-                </a:solidFill>
-              </a14:hiddenFill>
-            </a:ext>
-          </a:extLst>
-        </p:spPr>
-      </p:pic>
-      <p:pic>
-        <p:nvPicPr>
-          <p:cNvPr id="20" name="Picture 3" descr="C:\Users\ngoan\Desktop\image\ngoan.png"/>
-          <p:cNvPicPr>
-            <a:picLocks noChangeAspect="1" noChangeArrowheads="1"/>
-          </p:cNvPicPr>
-          <p:nvPr/>
-        </p:nvPicPr>
-        <p:blipFill>
-          <a:blip r:embed="rId6">
-            <a:extLst>
-              <a:ext uri="{28A0092B-C50C-407E-A947-70E740481C1C}">
-                <a14:useLocalDpi xmlns:a14="http://schemas.microsoft.com/office/drawing/2010/main" val="0"/>
-              </a:ext>
-            </a:extLst>
-          </a:blip>
-          <a:srcRect/>
-          <a:stretch>
-            <a:fillRect/>
-          </a:stretch>
-        </p:blipFill>
-        <p:spPr bwMode="auto">
-          <a:xfrm>
-            <a:off x="4996307" y="1677833"/>
-            <a:ext cx="1066804" cy="1069848"/>
-          </a:xfrm>
-          <a:prstGeom prst="rect">
-            <a:avLst/>
-          </a:prstGeom>
-          <a:noFill/>
-          <a:extLst>
-            <a:ext uri="{909E8E84-426E-40DD-AFC4-6F175D3DCCD1}">
-              <a14:hiddenFill xmlns:a14="http://schemas.microsoft.com/office/drawing/2010/main">
-                <a:solidFill>
-                  <a:srgbClr val="FFFFFF"/>
-                </a:solidFill>
-              </a14:hiddenFill>
-            </a:ext>
-          </a:extLst>
-        </p:spPr>
-      </p:pic>
-      <p:pic>
-        <p:nvPicPr>
-          <p:cNvPr id="2" name="Picture 2" descr="C:\Users\ngoan\Desktop\image\Manager.png"/>
-          <p:cNvPicPr>
-            <a:picLocks noChangeAspect="1" noChangeArrowheads="1"/>
-          </p:cNvPicPr>
-          <p:nvPr/>
-        </p:nvPicPr>
-        <p:blipFill>
-          <a:blip r:embed="rId7">
-            <a:extLst>
-              <a:ext uri="{28A0092B-C50C-407E-A947-70E740481C1C}">
-                <a14:useLocalDpi xmlns:a14="http://schemas.microsoft.com/office/drawing/2010/main" val="0"/>
-              </a:ext>
-            </a:extLst>
-          </a:blip>
-          <a:srcRect/>
-          <a:stretch>
-            <a:fillRect/>
-          </a:stretch>
-        </p:blipFill>
-        <p:spPr bwMode="auto">
-          <a:xfrm>
-            <a:off x="1332661" y="3225421"/>
-            <a:ext cx="1069848" cy="1069848"/>
-          </a:xfrm>
-          <a:prstGeom prst="rect">
-            <a:avLst/>
-          </a:prstGeom>
-          <a:noFill/>
-          <a:extLst>
-            <a:ext uri="{909E8E84-426E-40DD-AFC4-6F175D3DCCD1}">
-              <a14:hiddenFill xmlns:a14="http://schemas.microsoft.com/office/drawing/2010/main">
-                <a:solidFill>
-                  <a:srgbClr val="FFFFFF"/>
-                </a:solidFill>
-              </a14:hiddenFill>
-            </a:ext>
-          </a:extLst>
-        </p:spPr>
-      </p:pic>
-      <p:pic>
-        <p:nvPicPr>
-          <p:cNvPr id="2051" name="Picture 3" descr="C:\Users\ngoan\Desktop\image\company.png"/>
-          <p:cNvPicPr>
-            <a:picLocks noChangeAspect="1" noChangeArrowheads="1"/>
-          </p:cNvPicPr>
-          <p:nvPr/>
-        </p:nvPicPr>
-        <p:blipFill>
-          <a:blip r:embed="rId8">
-            <a:extLst>
-              <a:ext uri="{28A0092B-C50C-407E-A947-70E740481C1C}">
-                <a14:useLocalDpi xmlns:a14="http://schemas.microsoft.com/office/drawing/2010/main" val="0"/>
-              </a:ext>
-            </a:extLst>
-          </a:blip>
-          <a:srcRect/>
-          <a:stretch>
-            <a:fillRect/>
-          </a:stretch>
-        </p:blipFill>
-        <p:spPr bwMode="auto">
-          <a:xfrm>
-            <a:off x="5575282" y="3074545"/>
-            <a:ext cx="1371600" cy="1371600"/>
-          </a:xfrm>
-          <a:prstGeom prst="rect">
-            <a:avLst/>
-          </a:prstGeom>
-          <a:noFill/>
-          <a:extLst>
-            <a:ext uri="{909E8E84-426E-40DD-AFC4-6F175D3DCCD1}">
-              <a14:hiddenFill xmlns:a14="http://schemas.microsoft.com/office/drawing/2010/main">
-                <a:solidFill>
-                  <a:srgbClr val="FFFFFF"/>
-                </a:solidFill>
-              </a14:hiddenFill>
-            </a:ext>
-          </a:extLst>
-        </p:spPr>
-      </p:pic>
-      <p:cxnSp>
-        <p:nvCxnSpPr>
-          <p:cNvPr id="8" name="Straight Arrow Connector 7"/>
-          <p:cNvCxnSpPr>
-            <a:stCxn id="2" idx="3"/>
-            <a:endCxn id="2051" idx="1"/>
-          </p:cNvCxnSpPr>
-          <p:nvPr/>
-        </p:nvCxnSpPr>
-        <p:spPr>
-          <a:xfrm>
-            <a:off x="2402509" y="3760345"/>
-            <a:ext cx="3172773" cy="0"/>
-          </a:xfrm>
-          <a:prstGeom prst="straightConnector1">
-            <a:avLst/>
-          </a:prstGeom>
-          <a:ln w="63500">
-            <a:tailEnd type="triangle"/>
-          </a:ln>
-        </p:spPr>
-        <p:style>
-          <a:lnRef idx="3">
-            <a:schemeClr val="dk1"/>
-          </a:lnRef>
-          <a:fillRef idx="0">
-            <a:schemeClr val="dk1"/>
-          </a:fillRef>
-          <a:effectRef idx="2">
-            <a:schemeClr val="dk1"/>
-          </a:effectRef>
-          <a:fontRef idx="minor">
-            <a:schemeClr val="tx1"/>
-          </a:fontRef>
-        </p:style>
-      </p:cxnSp>
-      <p:pic>
-        <p:nvPicPr>
-          <p:cNvPr id="2052" name="Picture 4" descr="C:\Users\ngoan\Desktop\image\System-Home-icon.png"/>
-          <p:cNvPicPr>
-            <a:picLocks noChangeAspect="1" noChangeArrowheads="1"/>
-          </p:cNvPicPr>
-          <p:nvPr/>
-        </p:nvPicPr>
-        <p:blipFill>
-          <a:blip r:embed="rId9">
-            <a:extLst>
-              <a:ext uri="{28A0092B-C50C-407E-A947-70E740481C1C}">
-                <a14:useLocalDpi xmlns:a14="http://schemas.microsoft.com/office/drawing/2010/main" val="0"/>
-              </a:ext>
-            </a:extLst>
-          </a:blip>
-          <a:srcRect/>
-          <a:stretch>
-            <a:fillRect/>
-          </a:stretch>
-        </p:blipFill>
-        <p:spPr bwMode="auto">
-          <a:xfrm>
-            <a:off x="453460" y="5013460"/>
-            <a:ext cx="1554480" cy="1554480"/>
-          </a:xfrm>
-          <a:prstGeom prst="rect">
-            <a:avLst/>
-          </a:prstGeom>
-          <a:noFill/>
-          <a:extLst>
-            <a:ext uri="{909E8E84-426E-40DD-AFC4-6F175D3DCCD1}">
-              <a14:hiddenFill xmlns:a14="http://schemas.microsoft.com/office/drawing/2010/main">
-                <a:solidFill>
-                  <a:srgbClr val="FFFFFF"/>
-                </a:solidFill>
-              </a14:hiddenFill>
-            </a:ext>
-          </a:extLst>
-        </p:spPr>
-      </p:pic>
-      <p:pic>
-        <p:nvPicPr>
-          <p:cNvPr id="2053" name="Picture 5" descr="C:\Users\ngoan\Desktop\image\24598-200.png"/>
-          <p:cNvPicPr>
-            <a:picLocks noChangeAspect="1" noChangeArrowheads="1"/>
-          </p:cNvPicPr>
-          <p:nvPr/>
-        </p:nvPicPr>
-        <p:blipFill>
-          <a:blip r:embed="rId10">
-            <a:extLst>
-              <a:ext uri="{28A0092B-C50C-407E-A947-70E740481C1C}">
-                <a14:useLocalDpi xmlns:a14="http://schemas.microsoft.com/office/drawing/2010/main" val="0"/>
-              </a:ext>
-            </a:extLst>
-          </a:blip>
-          <a:srcRect/>
-          <a:stretch>
-            <a:fillRect/>
-          </a:stretch>
-        </p:blipFill>
-        <p:spPr bwMode="auto">
-          <a:xfrm>
-            <a:off x="2007940" y="5590548"/>
+            <a:off x="2384123" y="3748100"/>
             <a:ext cx="1069848" cy="1069848"/>
           </a:xfrm>
           <a:prstGeom prst="rect">
@@ -4768,8 +4710,8 @@
         </p:nvCxnSpPr>
         <p:spPr>
           <a:xfrm flipH="1">
-            <a:off x="2007940" y="5590548"/>
-            <a:ext cx="1212932" cy="1069848"/>
+            <a:off x="2384123" y="3748100"/>
+            <a:ext cx="1069848" cy="1069848"/>
           </a:xfrm>
           <a:prstGeom prst="line">
             <a:avLst/>
@@ -4803,8 +4745,8 @@
         </p:nvCxnSpPr>
         <p:spPr>
           <a:xfrm>
-            <a:off x="2007940" y="5590548"/>
-            <a:ext cx="1212932" cy="1069848"/>
+            <a:off x="2384123" y="3748100"/>
+            <a:ext cx="1177943" cy="1069848"/>
           </a:xfrm>
           <a:prstGeom prst="line">
             <a:avLst/>
@@ -4830,6 +4772,129 @@
           </a:fontRef>
         </p:style>
       </p:cxnSp>
+      <p:pic>
+        <p:nvPicPr>
+          <p:cNvPr id="1026" name="Picture 2" descr="C:\Users\ngoan\Desktop\image\ngoan.png"/>
+          <p:cNvPicPr>
+            <a:picLocks noChangeAspect="1" noChangeArrowheads="1"/>
+          </p:cNvPicPr>
+          <p:nvPr/>
+        </p:nvPicPr>
+        <p:blipFill>
+          <a:blip r:embed="rId5">
+            <a:extLst>
+              <a:ext uri="{28A0092B-C50C-407E-A947-70E740481C1C}">
+                <a14:useLocalDpi xmlns:a14="http://schemas.microsoft.com/office/drawing/2010/main" val="0"/>
+              </a:ext>
+            </a:extLst>
+          </a:blip>
+          <a:srcRect/>
+          <a:stretch>
+            <a:fillRect/>
+          </a:stretch>
+        </p:blipFill>
+        <p:spPr bwMode="auto">
+          <a:xfrm>
+            <a:off x="3453971" y="1677833"/>
+            <a:ext cx="1069848" cy="1069848"/>
+          </a:xfrm>
+          <a:prstGeom prst="rect">
+            <a:avLst/>
+          </a:prstGeom>
+          <a:noFill/>
+          <a:extLst>
+            <a:ext uri="{909E8E84-426E-40DD-AFC4-6F175D3DCCD1}">
+              <a14:hiddenFill xmlns:a14="http://schemas.microsoft.com/office/drawing/2010/main">
+                <a:solidFill>
+                  <a:srgbClr val="FFFFFF"/>
+                </a:solidFill>
+              </a14:hiddenFill>
+            </a:ext>
+          </a:extLst>
+        </p:spPr>
+      </p:pic>
+      <p:pic>
+        <p:nvPicPr>
+          <p:cNvPr id="1027" name="Picture 3" descr="C:\Users\ngoan\Desktop\image\Office-Client-Female-Light-icon.png"/>
+          <p:cNvPicPr>
+            <a:picLocks noChangeAspect="1" noChangeArrowheads="1"/>
+          </p:cNvPicPr>
+          <p:nvPr/>
+        </p:nvPicPr>
+        <p:blipFill>
+          <a:blip r:embed="rId6">
+            <a:extLst>
+              <a:ext uri="{28A0092B-C50C-407E-A947-70E740481C1C}">
+                <a14:useLocalDpi xmlns:a14="http://schemas.microsoft.com/office/drawing/2010/main" val="0"/>
+              </a:ext>
+            </a:extLst>
+          </a:blip>
+          <a:srcRect/>
+          <a:stretch>
+            <a:fillRect/>
+          </a:stretch>
+        </p:blipFill>
+        <p:spPr bwMode="auto">
+          <a:xfrm>
+            <a:off x="4704701" y="1677833"/>
+            <a:ext cx="1069848" cy="1069848"/>
+          </a:xfrm>
+          <a:prstGeom prst="rect">
+            <a:avLst/>
+          </a:prstGeom>
+          <a:noFill/>
+          <a:extLst>
+            <a:ext uri="{909E8E84-426E-40DD-AFC4-6F175D3DCCD1}">
+              <a14:hiddenFill xmlns:a14="http://schemas.microsoft.com/office/drawing/2010/main">
+                <a:solidFill>
+                  <a:srgbClr val="FFFFFF"/>
+                </a:solidFill>
+              </a14:hiddenFill>
+            </a:ext>
+          </a:extLst>
+        </p:spPr>
+      </p:pic>
+      <p:pic>
+        <p:nvPicPr>
+          <p:cNvPr id="1028" name="Picture 4" descr="C:\Users\ngoan\Desktop\image\Religions-Muslim-Female-icon.png"/>
+          <p:cNvPicPr>
+            <a:picLocks noChangeAspect="1" noChangeArrowheads="1"/>
+          </p:cNvPicPr>
+          <p:nvPr/>
+        </p:nvPicPr>
+        <p:blipFill>
+          <a:blip r:embed="rId7">
+            <a:extLst>
+              <a:ext uri="{28A0092B-C50C-407E-A947-70E740481C1C}">
+                <a14:useLocalDpi xmlns:a14="http://schemas.microsoft.com/office/drawing/2010/main" val="0"/>
+              </a:ext>
+            </a:extLst>
+          </a:blip>
+          <a:srcRect/>
+          <a:stretch>
+            <a:fillRect/>
+          </a:stretch>
+        </p:blipFill>
+        <p:spPr bwMode="auto">
+          <a:xfrm>
+            <a:off x="5774549" y="1677833"/>
+            <a:ext cx="1069848" cy="1069848"/>
+          </a:xfrm>
+          <a:prstGeom prst="rect">
+            <a:avLst/>
+          </a:prstGeom>
+          <a:noFill/>
+          <a:extLst>
+            <a:ext uri="{909E8E84-426E-40DD-AFC4-6F175D3DCCD1}">
+              <a14:hiddenFill xmlns:a14="http://schemas.microsoft.com/office/drawing/2010/main">
+                <a:solidFill>
+                  <a:srgbClr val="FFFFFF"/>
+                </a:solidFill>
+              </a14:hiddenFill>
+            </a:ext>
+          </a:extLst>
+        </p:spPr>
+      </p:pic>
     </p:spTree>
     <p:extLst>
       <p:ext uri="{BB962C8B-B14F-4D97-AF65-F5344CB8AC3E}">
@@ -4978,7 +5043,6 @@
           <p:cNvPr id="3" name="Straight Arrow Connector 2"/>
           <p:cNvCxnSpPr>
             <a:stCxn id="10" idx="1"/>
-            <a:endCxn id="17" idx="1"/>
           </p:cNvCxnSpPr>
           <p:nvPr/>
         </p:nvCxnSpPr>
@@ -5012,10 +5076,7 @@
       <p:cxnSp>
         <p:nvCxnSpPr>
           <p:cNvPr id="6" name="Straight Arrow Connector 5"/>
-          <p:cNvCxnSpPr>
-            <a:stCxn id="17" idx="2"/>
-            <a:endCxn id="18" idx="0"/>
-          </p:cNvCxnSpPr>
+          <p:cNvCxnSpPr/>
           <p:nvPr/>
         </p:nvCxnSpPr>
         <p:spPr>
@@ -5048,10 +5109,7 @@
       <p:cxnSp>
         <p:nvCxnSpPr>
           <p:cNvPr id="14" name="Straight Arrow Connector 13"/>
-          <p:cNvCxnSpPr>
-            <a:stCxn id="18" idx="3"/>
-            <a:endCxn id="20" idx="1"/>
-          </p:cNvCxnSpPr>
+          <p:cNvCxnSpPr/>
           <p:nvPr/>
         </p:nvCxnSpPr>
         <p:spPr>
@@ -5083,7 +5141,7 @@
       </p:cxnSp>
       <p:pic>
         <p:nvPicPr>
-          <p:cNvPr id="17" name="Picture 2" descr="C:\Users\ngoan\Desktop\image\quy.png"/>
+          <p:cNvPr id="11" name="Picture 2" descr="C:\Users\ngoan\Desktop\image\ngoan.png"/>
           <p:cNvPicPr>
             <a:picLocks noChangeAspect="1" noChangeArrowheads="1"/>
           </p:cNvPicPr>
@@ -5124,7 +5182,7 @@
       </p:pic>
       <p:pic>
         <p:nvPicPr>
-          <p:cNvPr id="18" name="Picture 4" descr="C:\Users\ngoan\Desktop\image\nam.png"/>
+          <p:cNvPr id="12" name="Picture 3" descr="C:\Users\ngoan\Desktop\image\Office-Client-Female-Light-icon.png"/>
           <p:cNvPicPr>
             <a:picLocks noChangeAspect="1" noChangeArrowheads="1"/>
           </p:cNvPicPr>
@@ -5165,7 +5223,7 @@
       </p:pic>
       <p:pic>
         <p:nvPicPr>
-          <p:cNvPr id="20" name="Picture 3" descr="C:\Users\ngoan\Desktop\image\ngoan.png"/>
+          <p:cNvPr id="13" name="Picture 4" descr="C:\Users\ngoan\Desktop\image\Religions-Muslim-Female-icon.png"/>
           <p:cNvPicPr>
             <a:picLocks noChangeAspect="1" noChangeArrowheads="1"/>
           </p:cNvPicPr>
@@ -5187,7 +5245,7 @@
         <p:spPr bwMode="auto">
           <a:xfrm>
             <a:off x="6994179" y="4602628"/>
-            <a:ext cx="1066804" cy="1069848"/>
+            <a:ext cx="1069848" cy="1069848"/>
           </a:xfrm>
           <a:prstGeom prst="rect">
             <a:avLst/>
@@ -5212,7 +5270,7 @@
         </p:nvSpPr>
         <p:spPr>
           <a:xfrm>
-            <a:off x="2347415" y="2357270"/>
+            <a:off x="2428223" y="2343623"/>
             <a:ext cx="457176" cy="369332"/>
           </a:xfrm>
           <a:prstGeom prst="rect">
@@ -5246,13 +5304,13 @@
       </p:sp>
       <p:sp>
         <p:nvSpPr>
-          <p:cNvPr id="12" name="TextBox 11"/>
+          <p:cNvPr id="15" name="TextBox 14"/>
           <p:cNvSpPr txBox="1"/>
           <p:nvPr/>
         </p:nvSpPr>
         <p:spPr>
           <a:xfrm>
-            <a:off x="4540630" y="3823383"/>
+            <a:off x="4438295" y="3823383"/>
             <a:ext cx="457176" cy="369332"/>
           </a:xfrm>
           <a:prstGeom prst="rect">
@@ -5286,7 +5344,7 @@
       </p:sp>
       <p:sp>
         <p:nvSpPr>
-          <p:cNvPr id="13" name="TextBox 12"/>
+          <p:cNvPr id="16" name="TextBox 15"/>
           <p:cNvSpPr txBox="1"/>
           <p:nvPr/>
         </p:nvSpPr>
@@ -5327,7 +5385,7 @@
     </p:spTree>
     <p:extLst>
       <p:ext uri="{BB962C8B-B14F-4D97-AF65-F5344CB8AC3E}">
-        <p14:creationId xmlns:p14="http://schemas.microsoft.com/office/powerpoint/2010/main" val="441246312"/>
+        <p14:creationId xmlns:p14="http://schemas.microsoft.com/office/powerpoint/2010/main" val="340935304"/>
       </p:ext>
     </p:extLst>
   </p:cSld>
@@ -5380,19 +5438,7 @@
               <a:rPr lang="en-US" dirty="0" smtClean="0">
                 <a:latin typeface="Cambria" pitchFamily="18" charset="0"/>
               </a:rPr>
-              <a:t>Demo </a:t>
-            </a:r>
-            <a:r>
-              <a:rPr lang="en-US" dirty="0" smtClean="0">
-                <a:latin typeface="Cambria" pitchFamily="18" charset="0"/>
-              </a:rPr>
-              <a:t>bus four </a:t>
-            </a:r>
-            <a:r>
-              <a:rPr lang="en-US" dirty="0" smtClean="0">
-                <a:latin typeface="Cambria" pitchFamily="18" charset="0"/>
-              </a:rPr>
-              <a:t>points optimize</a:t>
+              <a:t>Demo bus four points optimize</a:t>
             </a:r>
             <a:endParaRPr lang="en-US" dirty="0">
               <a:latin typeface="Cambria" pitchFamily="18" charset="0"/>
@@ -6119,129 +6165,6 @@
           </a:fontRef>
         </p:style>
       </p:cxnSp>
-      <p:pic>
-        <p:nvPicPr>
-          <p:cNvPr id="17" name="Picture 2" descr="C:\Users\ngoan\Desktop\image\quy.png"/>
-          <p:cNvPicPr>
-            <a:picLocks noChangeAspect="1" noChangeArrowheads="1"/>
-          </p:cNvPicPr>
-          <p:nvPr/>
-        </p:nvPicPr>
-        <p:blipFill>
-          <a:blip r:embed="rId5">
-            <a:extLst>
-              <a:ext uri="{28A0092B-C50C-407E-A947-70E740481C1C}">
-                <a14:useLocalDpi xmlns:a14="http://schemas.microsoft.com/office/drawing/2010/main" val="0"/>
-              </a:ext>
-            </a:extLst>
-          </a:blip>
-          <a:srcRect/>
-          <a:stretch>
-            <a:fillRect/>
-          </a:stretch>
-        </p:blipFill>
-        <p:spPr bwMode="auto">
-          <a:xfrm>
-            <a:off x="1290132" y="1677833"/>
-            <a:ext cx="1069848" cy="1069848"/>
-          </a:xfrm>
-          <a:prstGeom prst="rect">
-            <a:avLst/>
-          </a:prstGeom>
-          <a:noFill/>
-          <a:extLst>
-            <a:ext uri="{909E8E84-426E-40DD-AFC4-6F175D3DCCD1}">
-              <a14:hiddenFill xmlns:a14="http://schemas.microsoft.com/office/drawing/2010/main">
-                <a:solidFill>
-                  <a:srgbClr val="FFFFFF"/>
-                </a:solidFill>
-              </a14:hiddenFill>
-            </a:ext>
-          </a:extLst>
-        </p:spPr>
-      </p:pic>
-      <p:pic>
-        <p:nvPicPr>
-          <p:cNvPr id="18" name="Picture 4" descr="C:\Users\ngoan\Desktop\image\nam.png"/>
-          <p:cNvPicPr>
-            <a:picLocks noChangeAspect="1" noChangeArrowheads="1"/>
-          </p:cNvPicPr>
-          <p:nvPr/>
-        </p:nvPicPr>
-        <p:blipFill>
-          <a:blip r:embed="rId6">
-            <a:extLst>
-              <a:ext uri="{28A0092B-C50C-407E-A947-70E740481C1C}">
-                <a14:useLocalDpi xmlns:a14="http://schemas.microsoft.com/office/drawing/2010/main" val="0"/>
-              </a:ext>
-            </a:extLst>
-          </a:blip>
-          <a:srcRect/>
-          <a:stretch>
-            <a:fillRect/>
-          </a:stretch>
-        </p:blipFill>
-        <p:spPr bwMode="auto">
-          <a:xfrm>
-            <a:off x="2710345" y="1677833"/>
-            <a:ext cx="1069848" cy="1069848"/>
-          </a:xfrm>
-          <a:prstGeom prst="rect">
-            <a:avLst/>
-          </a:prstGeom>
-          <a:noFill/>
-          <a:extLst>
-            <a:ext uri="{909E8E84-426E-40DD-AFC4-6F175D3DCCD1}">
-              <a14:hiddenFill xmlns:a14="http://schemas.microsoft.com/office/drawing/2010/main">
-                <a:solidFill>
-                  <a:srgbClr val="FFFFFF"/>
-                </a:solidFill>
-              </a14:hiddenFill>
-            </a:ext>
-          </a:extLst>
-        </p:spPr>
-      </p:pic>
-      <p:pic>
-        <p:nvPicPr>
-          <p:cNvPr id="20" name="Picture 3" descr="C:\Users\ngoan\Desktop\image\ngoan.png"/>
-          <p:cNvPicPr>
-            <a:picLocks noChangeAspect="1" noChangeArrowheads="1"/>
-          </p:cNvPicPr>
-          <p:nvPr/>
-        </p:nvPicPr>
-        <p:blipFill>
-          <a:blip r:embed="rId7">
-            <a:extLst>
-              <a:ext uri="{28A0092B-C50C-407E-A947-70E740481C1C}">
-                <a14:useLocalDpi xmlns:a14="http://schemas.microsoft.com/office/drawing/2010/main" val="0"/>
-              </a:ext>
-            </a:extLst>
-          </a:blip>
-          <a:srcRect/>
-          <a:stretch>
-            <a:fillRect/>
-          </a:stretch>
-        </p:blipFill>
-        <p:spPr bwMode="auto">
-          <a:xfrm>
-            <a:off x="3929503" y="1677833"/>
-            <a:ext cx="1066804" cy="1069848"/>
-          </a:xfrm>
-          <a:prstGeom prst="rect">
-            <a:avLst/>
-          </a:prstGeom>
-          <a:noFill/>
-          <a:extLst>
-            <a:ext uri="{909E8E84-426E-40DD-AFC4-6F175D3DCCD1}">
-              <a14:hiddenFill xmlns:a14="http://schemas.microsoft.com/office/drawing/2010/main">
-                <a:solidFill>
-                  <a:srgbClr val="FFFFFF"/>
-                </a:solidFill>
-              </a14:hiddenFill>
-            </a:ext>
-          </a:extLst>
-        </p:spPr>
-      </p:pic>
       <p:sp>
         <p:nvSpPr>
           <p:cNvPr id="23" name="Oval 22"/>
@@ -6307,6 +6230,129 @@
           </a:p>
         </p:txBody>
       </p:sp>
+      <p:pic>
+        <p:nvPicPr>
+          <p:cNvPr id="15" name="Picture 2" descr="C:\Users\ngoan\Desktop\image\ngoan.png"/>
+          <p:cNvPicPr>
+            <a:picLocks noChangeAspect="1" noChangeArrowheads="1"/>
+          </p:cNvPicPr>
+          <p:nvPr/>
+        </p:nvPicPr>
+        <p:blipFill>
+          <a:blip r:embed="rId5">
+            <a:extLst>
+              <a:ext uri="{28A0092B-C50C-407E-A947-70E740481C1C}">
+                <a14:useLocalDpi xmlns:a14="http://schemas.microsoft.com/office/drawing/2010/main" val="0"/>
+              </a:ext>
+            </a:extLst>
+          </a:blip>
+          <a:srcRect/>
+          <a:stretch>
+            <a:fillRect/>
+          </a:stretch>
+        </p:blipFill>
+        <p:spPr bwMode="auto">
+          <a:xfrm>
+            <a:off x="1314275" y="1677833"/>
+            <a:ext cx="1069848" cy="1069848"/>
+          </a:xfrm>
+          <a:prstGeom prst="rect">
+            <a:avLst/>
+          </a:prstGeom>
+          <a:noFill/>
+          <a:extLst>
+            <a:ext uri="{909E8E84-426E-40DD-AFC4-6F175D3DCCD1}">
+              <a14:hiddenFill xmlns:a14="http://schemas.microsoft.com/office/drawing/2010/main">
+                <a:solidFill>
+                  <a:srgbClr val="FFFFFF"/>
+                </a:solidFill>
+              </a14:hiddenFill>
+            </a:ext>
+          </a:extLst>
+        </p:spPr>
+      </p:pic>
+      <p:pic>
+        <p:nvPicPr>
+          <p:cNvPr id="16" name="Picture 3" descr="C:\Users\ngoan\Desktop\image\Office-Client-Female-Light-icon.png"/>
+          <p:cNvPicPr>
+            <a:picLocks noChangeAspect="1" noChangeArrowheads="1"/>
+          </p:cNvPicPr>
+          <p:nvPr/>
+        </p:nvPicPr>
+        <p:blipFill>
+          <a:blip r:embed="rId6">
+            <a:extLst>
+              <a:ext uri="{28A0092B-C50C-407E-A947-70E740481C1C}">
+                <a14:useLocalDpi xmlns:a14="http://schemas.microsoft.com/office/drawing/2010/main" val="0"/>
+              </a:ext>
+            </a:extLst>
+          </a:blip>
+          <a:srcRect/>
+          <a:stretch>
+            <a:fillRect/>
+          </a:stretch>
+        </p:blipFill>
+        <p:spPr bwMode="auto">
+          <a:xfrm>
+            <a:off x="2565005" y="1677833"/>
+            <a:ext cx="1069848" cy="1069848"/>
+          </a:xfrm>
+          <a:prstGeom prst="rect">
+            <a:avLst/>
+          </a:prstGeom>
+          <a:noFill/>
+          <a:extLst>
+            <a:ext uri="{909E8E84-426E-40DD-AFC4-6F175D3DCCD1}">
+              <a14:hiddenFill xmlns:a14="http://schemas.microsoft.com/office/drawing/2010/main">
+                <a:solidFill>
+                  <a:srgbClr val="FFFFFF"/>
+                </a:solidFill>
+              </a14:hiddenFill>
+            </a:ext>
+          </a:extLst>
+        </p:spPr>
+      </p:pic>
+      <p:pic>
+        <p:nvPicPr>
+          <p:cNvPr id="19" name="Picture 4" descr="C:\Users\ngoan\Desktop\image\Religions-Muslim-Female-icon.png"/>
+          <p:cNvPicPr>
+            <a:picLocks noChangeAspect="1" noChangeArrowheads="1"/>
+          </p:cNvPicPr>
+          <p:nvPr/>
+        </p:nvPicPr>
+        <p:blipFill>
+          <a:blip r:embed="rId7">
+            <a:extLst>
+              <a:ext uri="{28A0092B-C50C-407E-A947-70E740481C1C}">
+                <a14:useLocalDpi xmlns:a14="http://schemas.microsoft.com/office/drawing/2010/main" val="0"/>
+              </a:ext>
+            </a:extLst>
+          </a:blip>
+          <a:srcRect/>
+          <a:stretch>
+            <a:fillRect/>
+          </a:stretch>
+        </p:blipFill>
+        <p:spPr bwMode="auto">
+          <a:xfrm>
+            <a:off x="3634853" y="1677833"/>
+            <a:ext cx="1069848" cy="1069848"/>
+          </a:xfrm>
+          <a:prstGeom prst="rect">
+            <a:avLst/>
+          </a:prstGeom>
+          <a:noFill/>
+          <a:extLst>
+            <a:ext uri="{909E8E84-426E-40DD-AFC4-6F175D3DCCD1}">
+              <a14:hiddenFill xmlns:a14="http://schemas.microsoft.com/office/drawing/2010/main">
+                <a:solidFill>
+                  <a:srgbClr val="FFFFFF"/>
+                </a:solidFill>
+              </a14:hiddenFill>
+            </a:ext>
+          </a:extLst>
+        </p:spPr>
+      </p:pic>
     </p:spTree>
     <p:extLst>
       <p:ext uri="{BB962C8B-B14F-4D97-AF65-F5344CB8AC3E}">
@@ -8456,7 +8502,7 @@
       </p:cxnSp>
       <p:pic>
         <p:nvPicPr>
-          <p:cNvPr id="17" name="Picture 2" descr="C:\Users\ngoan\Desktop\image\quy.png"/>
+          <p:cNvPr id="15" name="Picture 2" descr="C:\Users\ngoan\Desktop\image\ngoan.png"/>
           <p:cNvPicPr>
             <a:picLocks noChangeAspect="1" noChangeArrowheads="1"/>
           </p:cNvPicPr>
@@ -8477,7 +8523,7 @@
         </p:blipFill>
         <p:spPr bwMode="auto">
           <a:xfrm>
-            <a:off x="1290132" y="1677833"/>
+            <a:off x="1290132" y="1690639"/>
             <a:ext cx="1069848" cy="1069848"/>
           </a:xfrm>
           <a:prstGeom prst="rect">
@@ -8497,7 +8543,7 @@
       </p:pic>
       <p:pic>
         <p:nvPicPr>
-          <p:cNvPr id="18" name="Picture 4" descr="C:\Users\ngoan\Desktop\image\nam.png"/>
+          <p:cNvPr id="16" name="Picture 3" descr="C:\Users\ngoan\Desktop\image\Office-Client-Female-Light-icon.png"/>
           <p:cNvPicPr>
             <a:picLocks noChangeAspect="1" noChangeArrowheads="1"/>
           </p:cNvPicPr>
@@ -8518,7 +8564,7 @@
         </p:blipFill>
         <p:spPr bwMode="auto">
           <a:xfrm>
-            <a:off x="2710345" y="1677833"/>
+            <a:off x="2540862" y="1690639"/>
             <a:ext cx="1069848" cy="1069848"/>
           </a:xfrm>
           <a:prstGeom prst="rect">
@@ -8538,7 +8584,7 @@
       </p:pic>
       <p:pic>
         <p:nvPicPr>
-          <p:cNvPr id="20" name="Picture 3" descr="C:\Users\ngoan\Desktop\image\ngoan.png"/>
+          <p:cNvPr id="19" name="Picture 4" descr="C:\Users\ngoan\Desktop\image\Religions-Muslim-Female-icon.png"/>
           <p:cNvPicPr>
             <a:picLocks noChangeAspect="1" noChangeArrowheads="1"/>
           </p:cNvPicPr>
@@ -8559,8 +8605,8 @@
         </p:blipFill>
         <p:spPr bwMode="auto">
           <a:xfrm>
-            <a:off x="3929503" y="1677833"/>
-            <a:ext cx="1066804" cy="1069848"/>
+            <a:off x="3610710" y="1690639"/>
+            <a:ext cx="1069848" cy="1069848"/>
           </a:xfrm>
           <a:prstGeom prst="rect">
             <a:avLst/>
@@ -8951,129 +8997,6 @@
           </a:fontRef>
         </p:style>
       </p:cxnSp>
-      <p:pic>
-        <p:nvPicPr>
-          <p:cNvPr id="17" name="Picture 2" descr="C:\Users\ngoan\Desktop\image\quy.png"/>
-          <p:cNvPicPr>
-            <a:picLocks noChangeAspect="1" noChangeArrowheads="1"/>
-          </p:cNvPicPr>
-          <p:nvPr/>
-        </p:nvPicPr>
-        <p:blipFill>
-          <a:blip r:embed="rId5">
-            <a:extLst>
-              <a:ext uri="{28A0092B-C50C-407E-A947-70E740481C1C}">
-                <a14:useLocalDpi xmlns:a14="http://schemas.microsoft.com/office/drawing/2010/main" val="0"/>
-              </a:ext>
-            </a:extLst>
-          </a:blip>
-          <a:srcRect/>
-          <a:stretch>
-            <a:fillRect/>
-          </a:stretch>
-        </p:blipFill>
-        <p:spPr bwMode="auto">
-          <a:xfrm>
-            <a:off x="1290132" y="1677833"/>
-            <a:ext cx="1069848" cy="1069848"/>
-          </a:xfrm>
-          <a:prstGeom prst="rect">
-            <a:avLst/>
-          </a:prstGeom>
-          <a:noFill/>
-          <a:extLst>
-            <a:ext uri="{909E8E84-426E-40DD-AFC4-6F175D3DCCD1}">
-              <a14:hiddenFill xmlns:a14="http://schemas.microsoft.com/office/drawing/2010/main">
-                <a:solidFill>
-                  <a:srgbClr val="FFFFFF"/>
-                </a:solidFill>
-              </a14:hiddenFill>
-            </a:ext>
-          </a:extLst>
-        </p:spPr>
-      </p:pic>
-      <p:pic>
-        <p:nvPicPr>
-          <p:cNvPr id="18" name="Picture 4" descr="C:\Users\ngoan\Desktop\image\nam.png"/>
-          <p:cNvPicPr>
-            <a:picLocks noChangeAspect="1" noChangeArrowheads="1"/>
-          </p:cNvPicPr>
-          <p:nvPr/>
-        </p:nvPicPr>
-        <p:blipFill>
-          <a:blip r:embed="rId6">
-            <a:extLst>
-              <a:ext uri="{28A0092B-C50C-407E-A947-70E740481C1C}">
-                <a14:useLocalDpi xmlns:a14="http://schemas.microsoft.com/office/drawing/2010/main" val="0"/>
-              </a:ext>
-            </a:extLst>
-          </a:blip>
-          <a:srcRect/>
-          <a:stretch>
-            <a:fillRect/>
-          </a:stretch>
-        </p:blipFill>
-        <p:spPr bwMode="auto">
-          <a:xfrm>
-            <a:off x="2710345" y="1677833"/>
-            <a:ext cx="1069848" cy="1069848"/>
-          </a:xfrm>
-          <a:prstGeom prst="rect">
-            <a:avLst/>
-          </a:prstGeom>
-          <a:noFill/>
-          <a:extLst>
-            <a:ext uri="{909E8E84-426E-40DD-AFC4-6F175D3DCCD1}">
-              <a14:hiddenFill xmlns:a14="http://schemas.microsoft.com/office/drawing/2010/main">
-                <a:solidFill>
-                  <a:srgbClr val="FFFFFF"/>
-                </a:solidFill>
-              </a14:hiddenFill>
-            </a:ext>
-          </a:extLst>
-        </p:spPr>
-      </p:pic>
-      <p:pic>
-        <p:nvPicPr>
-          <p:cNvPr id="20" name="Picture 3" descr="C:\Users\ngoan\Desktop\image\ngoan.png"/>
-          <p:cNvPicPr>
-            <a:picLocks noChangeAspect="1" noChangeArrowheads="1"/>
-          </p:cNvPicPr>
-          <p:nvPr/>
-        </p:nvPicPr>
-        <p:blipFill>
-          <a:blip r:embed="rId7">
-            <a:extLst>
-              <a:ext uri="{28A0092B-C50C-407E-A947-70E740481C1C}">
-                <a14:useLocalDpi xmlns:a14="http://schemas.microsoft.com/office/drawing/2010/main" val="0"/>
-              </a:ext>
-            </a:extLst>
-          </a:blip>
-          <a:srcRect/>
-          <a:stretch>
-            <a:fillRect/>
-          </a:stretch>
-        </p:blipFill>
-        <p:spPr bwMode="auto">
-          <a:xfrm>
-            <a:off x="3929503" y="1677833"/>
-            <a:ext cx="1066804" cy="1069848"/>
-          </a:xfrm>
-          <a:prstGeom prst="rect">
-            <a:avLst/>
-          </a:prstGeom>
-          <a:noFill/>
-          <a:extLst>
-            <a:ext uri="{909E8E84-426E-40DD-AFC4-6F175D3DCCD1}">
-              <a14:hiddenFill xmlns:a14="http://schemas.microsoft.com/office/drawing/2010/main">
-                <a:solidFill>
-                  <a:srgbClr val="FFFFFF"/>
-                </a:solidFill>
-              </a14:hiddenFill>
-            </a:ext>
-          </a:extLst>
-        </p:spPr>
-      </p:pic>
       <p:graphicFrame>
         <p:nvGraphicFramePr>
           <p:cNvPr id="2" name="Table 1"/>
@@ -9632,6 +9555,129 @@
           </a:graphicData>
         </a:graphic>
       </p:graphicFrame>
+      <p:pic>
+        <p:nvPicPr>
+          <p:cNvPr id="21" name="Picture 2" descr="C:\Users\ngoan\Desktop\image\ngoan.png"/>
+          <p:cNvPicPr>
+            <a:picLocks noChangeAspect="1" noChangeArrowheads="1"/>
+          </p:cNvPicPr>
+          <p:nvPr/>
+        </p:nvPicPr>
+        <p:blipFill>
+          <a:blip r:embed="rId5">
+            <a:extLst>
+              <a:ext uri="{28A0092B-C50C-407E-A947-70E740481C1C}">
+                <a14:useLocalDpi xmlns:a14="http://schemas.microsoft.com/office/drawing/2010/main" val="0"/>
+              </a:ext>
+            </a:extLst>
+          </a:blip>
+          <a:srcRect/>
+          <a:stretch>
+            <a:fillRect/>
+          </a:stretch>
+        </p:blipFill>
+        <p:spPr bwMode="auto">
+          <a:xfrm>
+            <a:off x="1290132" y="1690639"/>
+            <a:ext cx="1069848" cy="1069848"/>
+          </a:xfrm>
+          <a:prstGeom prst="rect">
+            <a:avLst/>
+          </a:prstGeom>
+          <a:noFill/>
+          <a:extLst>
+            <a:ext uri="{909E8E84-426E-40DD-AFC4-6F175D3DCCD1}">
+              <a14:hiddenFill xmlns:a14="http://schemas.microsoft.com/office/drawing/2010/main">
+                <a:solidFill>
+                  <a:srgbClr val="FFFFFF"/>
+                </a:solidFill>
+              </a14:hiddenFill>
+            </a:ext>
+          </a:extLst>
+        </p:spPr>
+      </p:pic>
+      <p:pic>
+        <p:nvPicPr>
+          <p:cNvPr id="22" name="Picture 3" descr="C:\Users\ngoan\Desktop\image\Office-Client-Female-Light-icon.png"/>
+          <p:cNvPicPr>
+            <a:picLocks noChangeAspect="1" noChangeArrowheads="1"/>
+          </p:cNvPicPr>
+          <p:nvPr/>
+        </p:nvPicPr>
+        <p:blipFill>
+          <a:blip r:embed="rId6">
+            <a:extLst>
+              <a:ext uri="{28A0092B-C50C-407E-A947-70E740481C1C}">
+                <a14:useLocalDpi xmlns:a14="http://schemas.microsoft.com/office/drawing/2010/main" val="0"/>
+              </a:ext>
+            </a:extLst>
+          </a:blip>
+          <a:srcRect/>
+          <a:stretch>
+            <a:fillRect/>
+          </a:stretch>
+        </p:blipFill>
+        <p:spPr bwMode="auto">
+          <a:xfrm>
+            <a:off x="2540862" y="1690639"/>
+            <a:ext cx="1069848" cy="1069848"/>
+          </a:xfrm>
+          <a:prstGeom prst="rect">
+            <a:avLst/>
+          </a:prstGeom>
+          <a:noFill/>
+          <a:extLst>
+            <a:ext uri="{909E8E84-426E-40DD-AFC4-6F175D3DCCD1}">
+              <a14:hiddenFill xmlns:a14="http://schemas.microsoft.com/office/drawing/2010/main">
+                <a:solidFill>
+                  <a:srgbClr val="FFFFFF"/>
+                </a:solidFill>
+              </a14:hiddenFill>
+            </a:ext>
+          </a:extLst>
+        </p:spPr>
+      </p:pic>
+      <p:pic>
+        <p:nvPicPr>
+          <p:cNvPr id="23" name="Picture 4" descr="C:\Users\ngoan\Desktop\image\Religions-Muslim-Female-icon.png"/>
+          <p:cNvPicPr>
+            <a:picLocks noChangeAspect="1" noChangeArrowheads="1"/>
+          </p:cNvPicPr>
+          <p:nvPr/>
+        </p:nvPicPr>
+        <p:blipFill>
+          <a:blip r:embed="rId7">
+            <a:extLst>
+              <a:ext uri="{28A0092B-C50C-407E-A947-70E740481C1C}">
+                <a14:useLocalDpi xmlns:a14="http://schemas.microsoft.com/office/drawing/2010/main" val="0"/>
+              </a:ext>
+            </a:extLst>
+          </a:blip>
+          <a:srcRect/>
+          <a:stretch>
+            <a:fillRect/>
+          </a:stretch>
+        </p:blipFill>
+        <p:spPr bwMode="auto">
+          <a:xfrm>
+            <a:off x="3610710" y="1690639"/>
+            <a:ext cx="1069848" cy="1069848"/>
+          </a:xfrm>
+          <a:prstGeom prst="rect">
+            <a:avLst/>
+          </a:prstGeom>
+          <a:noFill/>
+          <a:extLst>
+            <a:ext uri="{909E8E84-426E-40DD-AFC4-6F175D3DCCD1}">
+              <a14:hiddenFill xmlns:a14="http://schemas.microsoft.com/office/drawing/2010/main">
+                <a:solidFill>
+                  <a:srgbClr val="FFFFFF"/>
+                </a:solidFill>
+              </a14:hiddenFill>
+            </a:ext>
+          </a:extLst>
+        </p:spPr>
+      </p:pic>
     </p:spTree>
     <p:extLst>
       <p:ext uri="{BB962C8B-B14F-4D97-AF65-F5344CB8AC3E}">
@@ -10188,7 +10234,7 @@
   <a:extraClrSchemeLst/>
   <a:extLst>
     <a:ext uri="{05A4C25C-085E-4340-85A3-A5531E510DB2}">
-      <thm15:themeFamily xmlns:thm15="http://schemas.microsoft.com/office/thememl/2012/main" name="Office Theme" id="{62F939B6-93AF-4DB8-9C6B-D6C7DFDC589F}" vid="{4A3C46E8-61CC-4603-A589-7422A47A8E4A}"/>
+      <thm15:themeFamily xmlns="" xmlns:thm15="http://schemas.microsoft.com/office/thememl/2012/main" name="Office Theme" id="{62F939B6-93AF-4DB8-9C6B-D6C7DFDC589F}" vid="{4A3C46E8-61CC-4603-A589-7422A47A8E4A}"/>
     </a:ext>
   </a:extLst>
 </a:theme>
